--- a/Презентація.pptx
+++ b/Презентація.pptx
@@ -14,8 +14,8 @@
     <p:sldId id="260" r:id="rId5"/>
     <p:sldId id="262" r:id="rId6"/>
     <p:sldId id="264" r:id="rId7"/>
-    <p:sldId id="263" r:id="rId8"/>
-    <p:sldId id="270" r:id="rId9"/>
+    <p:sldId id="270" r:id="rId8"/>
+    <p:sldId id="263" r:id="rId9"/>
     <p:sldId id="273" r:id="rId10"/>
     <p:sldId id="265" r:id="rId11"/>
     <p:sldId id="266" r:id="rId12"/>
@@ -7832,151 +7832,6 @@
       </p:grpSpPr>
       <p:sp>
         <p:nvSpPr>
-          <p:cNvPr id="2" name="Заголовок 1"/>
-          <p:cNvSpPr>
-            <a:spLocks noGrp="1"/>
-          </p:cNvSpPr>
-          <p:nvPr>
-            <p:ph type="title"/>
-          </p:nvPr>
-        </p:nvSpPr>
-        <p:spPr>
-          <a:xfrm>
-            <a:off x="277026" y="404664"/>
-            <a:ext cx="8515893" cy="864096"/>
-          </a:xfrm>
-        </p:spPr>
-        <p:txBody>
-          <a:bodyPr>
-            <a:normAutofit fontScale="90000"/>
-          </a:bodyPr>
-          <a:lstStyle/>
-          <a:p>
-            <a:r>
-              <a:rPr lang="uk-UA" dirty="0" smtClean="0">
-                <a:effectLst/>
-              </a:rPr>
-              <a:t>Співвідношення завантаження </a:t>
-            </a:r>
-            <a:r>
-              <a:rPr lang="uk-UA" dirty="0">
-                <a:effectLst/>
-              </a:rPr>
-              <a:t>і </a:t>
-            </a:r>
-            <a:r>
-              <a:rPr lang="uk-UA" dirty="0" err="1" smtClean="0">
-                <a:effectLst/>
-              </a:rPr>
-              <a:t>парсинг</a:t>
-            </a:r>
-            <a:r>
-              <a:rPr lang="uk-UA" dirty="0" smtClean="0">
-                <a:effectLst/>
-              </a:rPr>
-              <a:t> </a:t>
-            </a:r>
-            <a:r>
-              <a:rPr lang="en-US" dirty="0" err="1" smtClean="0">
-                <a:effectLst/>
-              </a:rPr>
-              <a:t>js</a:t>
-            </a:r>
-            <a:r>
-              <a:rPr lang="uk-UA" dirty="0" smtClean="0">
-                <a:effectLst/>
-              </a:rPr>
-              <a:t> коду</a:t>
-            </a:r>
-            <a:endParaRPr lang="ru-RU" dirty="0"/>
-          </a:p>
-        </p:txBody>
-      </p:sp>
-      <p:pic>
-        <p:nvPicPr>
-          <p:cNvPr id="2051" name="Picture 3"/>
-          <p:cNvPicPr>
-            <a:picLocks noChangeAspect="1" noChangeArrowheads="1"/>
-          </p:cNvPicPr>
-          <p:nvPr/>
-        </p:nvPicPr>
-        <p:blipFill>
-          <a:blip r:embed="rId2">
-            <a:extLst>
-              <a:ext uri="{28A0092B-C50C-407E-A947-70E740481C1C}">
-                <a14:useLocalDpi xmlns:a14="http://schemas.microsoft.com/office/drawing/2010/main" val="0"/>
-              </a:ext>
-            </a:extLst>
-          </a:blip>
-          <a:stretch>
-            <a:fillRect/>
-          </a:stretch>
-        </p:blipFill>
-        <p:spPr bwMode="auto">
-          <a:xfrm>
-            <a:off x="1" y="2729497"/>
-            <a:ext cx="9144000" cy="1707615"/>
-          </a:xfrm>
-          <a:prstGeom prst="rect">
-            <a:avLst/>
-          </a:prstGeom>
-          <a:noFill/>
-          <a:ln>
-            <a:noFill/>
-          </a:ln>
-          <a:extLst>
-            <a:ext uri="{909E8E84-426E-40DD-AFC4-6F175D3DCCD1}">
-              <a14:hiddenFill xmlns:a14="http://schemas.microsoft.com/office/drawing/2010/main">
-                <a:solidFill>
-                  <a:srgbClr val="FFFFFF"/>
-                </a:solidFill>
-              </a14:hiddenFill>
-            </a:ext>
-            <a:ext uri="{91240B29-F687-4F45-9708-019B960494DF}">
-              <a14:hiddenLine xmlns:a14="http://schemas.microsoft.com/office/drawing/2010/main" w="9525">
-                <a:solidFill>
-                  <a:srgbClr val="000000"/>
-                </a:solidFill>
-                <a:miter lim="800000"/>
-                <a:headEnd/>
-                <a:tailEnd/>
-              </a14:hiddenLine>
-            </a:ext>
-          </a:extLst>
-        </p:spPr>
-      </p:pic>
-    </p:spTree>
-    <p:extLst>
-      <p:ext uri="{BB962C8B-B14F-4D97-AF65-F5344CB8AC3E}">
-        <p14:creationId xmlns:p14="http://schemas.microsoft.com/office/powerpoint/2010/main" val="1671745083"/>
-      </p:ext>
-    </p:extLst>
-  </p:cSld>
-  <p:clrMapOvr>
-    <a:masterClrMapping/>
-  </p:clrMapOvr>
-</p:sld>
-</file>
-
-<file path=ppt/slides/slide8.xml><?xml version="1.0" encoding="utf-8"?>
-<p:sld xmlns:a="http://schemas.openxmlformats.org/drawingml/2006/main" xmlns:r="http://schemas.openxmlformats.org/officeDocument/2006/relationships" xmlns:p="http://schemas.openxmlformats.org/presentationml/2006/main">
-  <p:cSld>
-    <p:spTree>
-      <p:nvGrpSpPr>
-        <p:cNvPr id="1" name=""/>
-        <p:cNvGrpSpPr/>
-        <p:nvPr/>
-      </p:nvGrpSpPr>
-      <p:grpSpPr>
-        <a:xfrm>
-          <a:off x="0" y="0"/>
-          <a:ext cx="0" cy="0"/>
-          <a:chOff x="0" y="0"/>
-          <a:chExt cx="0" cy="0"/>
-        </a:xfrm>
-      </p:grpSpPr>
-      <p:sp>
-        <p:nvSpPr>
           <p:cNvPr id="4" name="Rectangle 2"/>
           <p:cNvSpPr>
             <a:spLocks noChangeArrowheads="1"/>
@@ -8199,6 +8054,151 @@
     <p:extLst>
       <p:ext uri="{BB962C8B-B14F-4D97-AF65-F5344CB8AC3E}">
         <p14:creationId xmlns:p14="http://schemas.microsoft.com/office/powerpoint/2010/main" val="3676753356"/>
+      </p:ext>
+    </p:extLst>
+  </p:cSld>
+  <p:clrMapOvr>
+    <a:masterClrMapping/>
+  </p:clrMapOvr>
+</p:sld>
+</file>
+
+<file path=ppt/slides/slide8.xml><?xml version="1.0" encoding="utf-8"?>
+<p:sld xmlns:a="http://schemas.openxmlformats.org/drawingml/2006/main" xmlns:r="http://schemas.openxmlformats.org/officeDocument/2006/relationships" xmlns:p="http://schemas.openxmlformats.org/presentationml/2006/main">
+  <p:cSld>
+    <p:spTree>
+      <p:nvGrpSpPr>
+        <p:cNvPr id="1" name=""/>
+        <p:cNvGrpSpPr/>
+        <p:nvPr/>
+      </p:nvGrpSpPr>
+      <p:grpSpPr>
+        <a:xfrm>
+          <a:off x="0" y="0"/>
+          <a:ext cx="0" cy="0"/>
+          <a:chOff x="0" y="0"/>
+          <a:chExt cx="0" cy="0"/>
+        </a:xfrm>
+      </p:grpSpPr>
+      <p:sp>
+        <p:nvSpPr>
+          <p:cNvPr id="2" name="Заголовок 1"/>
+          <p:cNvSpPr>
+            <a:spLocks noGrp="1"/>
+          </p:cNvSpPr>
+          <p:nvPr>
+            <p:ph type="title"/>
+          </p:nvPr>
+        </p:nvSpPr>
+        <p:spPr>
+          <a:xfrm>
+            <a:off x="277026" y="404664"/>
+            <a:ext cx="8515893" cy="864096"/>
+          </a:xfrm>
+        </p:spPr>
+        <p:txBody>
+          <a:bodyPr>
+            <a:normAutofit fontScale="90000"/>
+          </a:bodyPr>
+          <a:lstStyle/>
+          <a:p>
+            <a:r>
+              <a:rPr lang="uk-UA" dirty="0" smtClean="0">
+                <a:effectLst/>
+              </a:rPr>
+              <a:t>Співвідношення завантаження </a:t>
+            </a:r>
+            <a:r>
+              <a:rPr lang="uk-UA" dirty="0">
+                <a:effectLst/>
+              </a:rPr>
+              <a:t>і </a:t>
+            </a:r>
+            <a:r>
+              <a:rPr lang="uk-UA" dirty="0" err="1" smtClean="0">
+                <a:effectLst/>
+              </a:rPr>
+              <a:t>парсинг</a:t>
+            </a:r>
+            <a:r>
+              <a:rPr lang="uk-UA" dirty="0" smtClean="0">
+                <a:effectLst/>
+              </a:rPr>
+              <a:t> </a:t>
+            </a:r>
+            <a:r>
+              <a:rPr lang="en-US" dirty="0" err="1" smtClean="0">
+                <a:effectLst/>
+              </a:rPr>
+              <a:t>js</a:t>
+            </a:r>
+            <a:r>
+              <a:rPr lang="uk-UA" dirty="0" smtClean="0">
+                <a:effectLst/>
+              </a:rPr>
+              <a:t> коду</a:t>
+            </a:r>
+            <a:endParaRPr lang="ru-RU" dirty="0"/>
+          </a:p>
+        </p:txBody>
+      </p:sp>
+      <p:pic>
+        <p:nvPicPr>
+          <p:cNvPr id="2051" name="Picture 3"/>
+          <p:cNvPicPr>
+            <a:picLocks noChangeAspect="1" noChangeArrowheads="1"/>
+          </p:cNvPicPr>
+          <p:nvPr/>
+        </p:nvPicPr>
+        <p:blipFill>
+          <a:blip r:embed="rId2">
+            <a:extLst>
+              <a:ext uri="{28A0092B-C50C-407E-A947-70E740481C1C}">
+                <a14:useLocalDpi xmlns:a14="http://schemas.microsoft.com/office/drawing/2010/main" val="0"/>
+              </a:ext>
+            </a:extLst>
+          </a:blip>
+          <a:stretch>
+            <a:fillRect/>
+          </a:stretch>
+        </p:blipFill>
+        <p:spPr bwMode="auto">
+          <a:xfrm>
+            <a:off x="1" y="2729497"/>
+            <a:ext cx="9144000" cy="1707615"/>
+          </a:xfrm>
+          <a:prstGeom prst="rect">
+            <a:avLst/>
+          </a:prstGeom>
+          <a:noFill/>
+          <a:ln>
+            <a:noFill/>
+          </a:ln>
+          <a:extLst>
+            <a:ext uri="{909E8E84-426E-40DD-AFC4-6F175D3DCCD1}">
+              <a14:hiddenFill xmlns:a14="http://schemas.microsoft.com/office/drawing/2010/main">
+                <a:solidFill>
+                  <a:srgbClr val="FFFFFF"/>
+                </a:solidFill>
+              </a14:hiddenFill>
+            </a:ext>
+            <a:ext uri="{91240B29-F687-4F45-9708-019B960494DF}">
+              <a14:hiddenLine xmlns:a14="http://schemas.microsoft.com/office/drawing/2010/main" w="9525">
+                <a:solidFill>
+                  <a:srgbClr val="000000"/>
+                </a:solidFill>
+                <a:miter lim="800000"/>
+                <a:headEnd/>
+                <a:tailEnd/>
+              </a14:hiddenLine>
+            </a:ext>
+          </a:extLst>
+        </p:spPr>
+      </p:pic>
+    </p:spTree>
+    <p:extLst>
+      <p:ext uri="{BB962C8B-B14F-4D97-AF65-F5344CB8AC3E}">
+        <p14:creationId xmlns:p14="http://schemas.microsoft.com/office/powerpoint/2010/main" val="1671745083"/>
       </p:ext>
     </p:extLst>
   </p:cSld>
